--- a/FarmerFriend.pptx
+++ b/FarmerFriend.pptx
@@ -272,8 +272,11 @@
     </a:lvl9pPr>
   </p:defaultTextStyle>
   <p:extLst>
+    <p:ext uri="{EFAFB233-063F-42B5-8137-9DF3F51BA10A}">
+      <p15:sldGuideLst xmlns:p15="http://schemas.microsoft.com/office/powerpoint/2012/main"/>
+    </p:ext>
     <p:ext uri="http://customooxmlschemas.google.com/">
-      <go:slidesCustomData xmlns:go="http://customooxmlschemas.google.com/" xmlns:ahyp="http://schemas.microsoft.com/office/drawing/2018/hyperlinkcolor" xmlns:p15="http://schemas.microsoft.com/office/powerpoint/2012/main" xmlns:p14="http://schemas.microsoft.com/office/powerpoint/2010/main" xmlns:com="http://schemas.openxmlformats.org/drawingml/2006/compatibility" xmlns:pvml="urn:schemas-microsoft-com:office:powerpoint" xmlns:v="urn:schemas-microsoft-com:vml" xmlns:o="urn:schemas-microsoft-com:office:office" xmlns:dgm="http://schemas.openxmlformats.org/drawingml/2006/diagram" xmlns:c="http://schemas.openxmlformats.org/drawingml/2006/chart" xmlns:mv="urn:schemas-microsoft-com:mac:vml" xmlns:mc="http://schemas.openxmlformats.org/markup-compatibility/2006" xmlns="" r:id="rId23" roundtripDataSignature="AMtx7mg4ID0MW+58A5oAZz0iuzSAYbU9/A=="/>
+      <go:slidesCustomData xmlns="" xmlns:mc="http://schemas.openxmlformats.org/markup-compatibility/2006" xmlns:mv="urn:schemas-microsoft-com:mac:vml" xmlns:c="http://schemas.openxmlformats.org/drawingml/2006/chart" xmlns:dgm="http://schemas.openxmlformats.org/drawingml/2006/diagram" xmlns:o="urn:schemas-microsoft-com:office:office" xmlns:v="urn:schemas-microsoft-com:vml" xmlns:pvml="urn:schemas-microsoft-com:office:powerpoint" xmlns:com="http://schemas.openxmlformats.org/drawingml/2006/compatibility" xmlns:p14="http://schemas.microsoft.com/office/powerpoint/2010/main" xmlns:p15="http://schemas.microsoft.com/office/powerpoint/2012/main" xmlns:ahyp="http://schemas.microsoft.com/office/drawing/2018/hyperlinkcolor" xmlns:go="http://customooxmlschemas.google.com/" r:id="rId23" roundtripDataSignature="AMtx7mg4ID0MW+58A5oAZz0iuzSAYbU9/A=="/>
     </p:ext>
   </p:extLst>
 </p:presentation>
@@ -40108,6 +40111,45 @@
           </a:p>
         </p:txBody>
       </p:sp>
+      <p:cxnSp>
+        <p:nvCxnSpPr>
+          <p:cNvPr id="4" name="Straight Arrow Connector 3">
+            <a:extLst>
+              <a:ext uri="{FF2B5EF4-FFF2-40B4-BE49-F238E27FC236}">
+                <a16:creationId xmlns:a16="http://schemas.microsoft.com/office/drawing/2014/main" id="{E42FA069-9661-EEFE-A027-5416BF0198CA}"/>
+              </a:ext>
+            </a:extLst>
+          </p:cNvPr>
+          <p:cNvCxnSpPr/>
+          <p:nvPr/>
+        </p:nvCxnSpPr>
+        <p:spPr>
+          <a:xfrm>
+            <a:off x="1707933" y="2031071"/>
+            <a:ext cx="119292" cy="0"/>
+          </a:xfrm>
+          <a:prstGeom prst="straightConnector1">
+            <a:avLst/>
+          </a:prstGeom>
+          <a:ln>
+            <a:tailEnd type="triangle"/>
+          </a:ln>
+        </p:spPr>
+        <p:style>
+          <a:lnRef idx="1">
+            <a:schemeClr val="accent1"/>
+          </a:lnRef>
+          <a:fillRef idx="0">
+            <a:schemeClr val="accent1"/>
+          </a:fillRef>
+          <a:effectRef idx="0">
+            <a:schemeClr val="accent1"/>
+          </a:effectRef>
+          <a:fontRef idx="minor">
+            <a:schemeClr val="tx1"/>
+          </a:fontRef>
+        </p:style>
+      </p:cxnSp>
     </p:spTree>
     <p:extLst>
       <p:ext uri="{BB962C8B-B14F-4D97-AF65-F5344CB8AC3E}">
